--- a/Flattie.pptx
+++ b/Flattie.pptx
@@ -7,7 +7,9 @@
   <p:sldIdLst>
     <p:sldId id="256" r:id="rId2"/>
     <p:sldId id="257" r:id="rId3"/>
-    <p:sldId id="258" r:id="rId4"/>
+    <p:sldId id="259" r:id="rId4"/>
+    <p:sldId id="258" r:id="rId5"/>
+    <p:sldId id="260" r:id="rId6"/>
   </p:sldIdLst>
   <p:sldSz cx="12192000" cy="6858000"/>
   <p:notesSz cx="6858000" cy="9144000"/>
@@ -106,7 +108,16 @@
       </a:defRPr>
     </a:lvl9pPr>
   </p:defaultTextStyle>
+  <p:extLst>
+    <p:ext uri="{EFAFB233-063F-42B5-8137-9DF3F51BA10A}">
+      <p15:sldGuideLst xmlns:p15="http://schemas.microsoft.com/office/powerpoint/2012/main"/>
+    </p:ext>
+  </p:extLst>
 </p:presentation>
+</file>
+
+<file path=ppt/revisionInfo.xml><?xml version="1.0" encoding="utf-8"?>
+<p1510:revInfo xmlns:a="http://schemas.openxmlformats.org/drawingml/2006/main" xmlns:r="http://schemas.openxmlformats.org/officeDocument/2006/relationships" xmlns:p1510="http://schemas.microsoft.com/office/powerpoint/2015/10/main"/>
 </file>
 
 <file path=ppt/slideLayouts/slideLayout1.xml><?xml version="1.0" encoding="utf-8"?>
@@ -248,7 +259,7 @@
           <a:p>
             <a:fld id="{5A790B8F-A88C-402D-A021-CB4D83DA52C8}" type="datetimeFigureOut">
               <a:rPr lang="de-CH" smtClean="0"/>
-              <a:t>17.01.2018</a:t>
+              <a:t>24.01.2018</a:t>
             </a:fld>
             <a:endParaRPr lang="de-CH"/>
           </a:p>
@@ -300,7 +311,7 @@
           <a:p>
             <a:fld id="{FE9B511B-32AD-486D-B56B-8D8FDCF2D0BB}" type="slidenum">
               <a:rPr lang="de-CH" smtClean="0"/>
-              <a:t>‹Nr.›</a:t>
+              <a:t>‹#›</a:t>
             </a:fld>
             <a:endParaRPr lang="de-CH"/>
           </a:p>
@@ -459,7 +470,7 @@
           <a:p>
             <a:fld id="{5A790B8F-A88C-402D-A021-CB4D83DA52C8}" type="datetimeFigureOut">
               <a:rPr lang="de-CH" smtClean="0"/>
-              <a:t>17.01.2018</a:t>
+              <a:t>24.01.2018</a:t>
             </a:fld>
             <a:endParaRPr lang="de-CH"/>
           </a:p>
@@ -501,7 +512,7 @@
           <a:p>
             <a:fld id="{FE9B511B-32AD-486D-B56B-8D8FDCF2D0BB}" type="slidenum">
               <a:rPr lang="de-CH" smtClean="0"/>
-              <a:t>‹Nr.›</a:t>
+              <a:t>‹#›</a:t>
             </a:fld>
             <a:endParaRPr lang="de-CH"/>
           </a:p>
@@ -674,7 +685,7 @@
           <a:p>
             <a:fld id="{5A790B8F-A88C-402D-A021-CB4D83DA52C8}" type="datetimeFigureOut">
               <a:rPr lang="de-CH" smtClean="0"/>
-              <a:t>17.01.2018</a:t>
+              <a:t>24.01.2018</a:t>
             </a:fld>
             <a:endParaRPr lang="de-CH"/>
           </a:p>
@@ -716,7 +727,7 @@
           <a:p>
             <a:fld id="{FE9B511B-32AD-486D-B56B-8D8FDCF2D0BB}" type="slidenum">
               <a:rPr lang="de-CH" smtClean="0"/>
-              <a:t>‹Nr.›</a:t>
+              <a:t>‹#›</a:t>
             </a:fld>
             <a:endParaRPr lang="de-CH"/>
           </a:p>
@@ -875,7 +886,7 @@
           <a:p>
             <a:fld id="{5A790B8F-A88C-402D-A021-CB4D83DA52C8}" type="datetimeFigureOut">
               <a:rPr lang="de-CH" smtClean="0"/>
-              <a:t>17.01.2018</a:t>
+              <a:t>24.01.2018</a:t>
             </a:fld>
             <a:endParaRPr lang="de-CH"/>
           </a:p>
@@ -917,7 +928,7 @@
           <a:p>
             <a:fld id="{FE9B511B-32AD-486D-B56B-8D8FDCF2D0BB}" type="slidenum">
               <a:rPr lang="de-CH" smtClean="0"/>
-              <a:t>‹Nr.›</a:t>
+              <a:t>‹#›</a:t>
             </a:fld>
             <a:endParaRPr lang="de-CH"/>
           </a:p>
@@ -1154,7 +1165,7 @@
           <a:p>
             <a:fld id="{5A790B8F-A88C-402D-A021-CB4D83DA52C8}" type="datetimeFigureOut">
               <a:rPr lang="de-CH" smtClean="0"/>
-              <a:t>17.01.2018</a:t>
+              <a:t>24.01.2018</a:t>
             </a:fld>
             <a:endParaRPr lang="de-CH"/>
           </a:p>
@@ -1196,7 +1207,7 @@
           <a:p>
             <a:fld id="{FE9B511B-32AD-486D-B56B-8D8FDCF2D0BB}" type="slidenum">
               <a:rPr lang="de-CH" smtClean="0"/>
-              <a:t>‹Nr.›</a:t>
+              <a:t>‹#›</a:t>
             </a:fld>
             <a:endParaRPr lang="de-CH"/>
           </a:p>
@@ -1422,7 +1433,7 @@
           <a:p>
             <a:fld id="{5A790B8F-A88C-402D-A021-CB4D83DA52C8}" type="datetimeFigureOut">
               <a:rPr lang="de-CH" smtClean="0"/>
-              <a:t>17.01.2018</a:t>
+              <a:t>24.01.2018</a:t>
             </a:fld>
             <a:endParaRPr lang="de-CH"/>
           </a:p>
@@ -1464,7 +1475,7 @@
           <a:p>
             <a:fld id="{FE9B511B-32AD-486D-B56B-8D8FDCF2D0BB}" type="slidenum">
               <a:rPr lang="de-CH" smtClean="0"/>
-              <a:t>‹Nr.›</a:t>
+              <a:t>‹#›</a:t>
             </a:fld>
             <a:endParaRPr lang="de-CH"/>
           </a:p>
@@ -1838,7 +1849,7 @@
           <a:p>
             <a:fld id="{5A790B8F-A88C-402D-A021-CB4D83DA52C8}" type="datetimeFigureOut">
               <a:rPr lang="de-CH" smtClean="0"/>
-              <a:t>17.01.2018</a:t>
+              <a:t>24.01.2018</a:t>
             </a:fld>
             <a:endParaRPr lang="de-CH"/>
           </a:p>
@@ -1880,7 +1891,7 @@
           <a:p>
             <a:fld id="{FE9B511B-32AD-486D-B56B-8D8FDCF2D0BB}" type="slidenum">
               <a:rPr lang="de-CH" smtClean="0"/>
-              <a:t>‹Nr.›</a:t>
+              <a:t>‹#›</a:t>
             </a:fld>
             <a:endParaRPr lang="de-CH"/>
           </a:p>
@@ -1987,7 +1998,7 @@
           <a:p>
             <a:fld id="{5A790B8F-A88C-402D-A021-CB4D83DA52C8}" type="datetimeFigureOut">
               <a:rPr lang="de-CH" smtClean="0"/>
-              <a:t>17.01.2018</a:t>
+              <a:t>24.01.2018</a:t>
             </a:fld>
             <a:endParaRPr lang="de-CH"/>
           </a:p>
@@ -2029,7 +2040,7 @@
           <a:p>
             <a:fld id="{FE9B511B-32AD-486D-B56B-8D8FDCF2D0BB}" type="slidenum">
               <a:rPr lang="de-CH" smtClean="0"/>
-              <a:t>‹Nr.›</a:t>
+              <a:t>‹#›</a:t>
             </a:fld>
             <a:endParaRPr lang="de-CH"/>
           </a:p>
@@ -2113,7 +2124,7 @@
           <a:p>
             <a:fld id="{5A790B8F-A88C-402D-A021-CB4D83DA52C8}" type="datetimeFigureOut">
               <a:rPr lang="de-CH" smtClean="0"/>
-              <a:t>17.01.2018</a:t>
+              <a:t>24.01.2018</a:t>
             </a:fld>
             <a:endParaRPr lang="de-CH"/>
           </a:p>
@@ -2155,7 +2166,7 @@
           <a:p>
             <a:fld id="{FE9B511B-32AD-486D-B56B-8D8FDCF2D0BB}" type="slidenum">
               <a:rPr lang="de-CH" smtClean="0"/>
-              <a:t>‹Nr.›</a:t>
+              <a:t>‹#›</a:t>
             </a:fld>
             <a:endParaRPr lang="de-CH"/>
           </a:p>
@@ -2364,7 +2375,7 @@
           <a:p>
             <a:fld id="{5A790B8F-A88C-402D-A021-CB4D83DA52C8}" type="datetimeFigureOut">
               <a:rPr lang="de-CH" smtClean="0"/>
-              <a:t>17.01.2018</a:t>
+              <a:t>24.01.2018</a:t>
             </a:fld>
             <a:endParaRPr lang="de-CH"/>
           </a:p>
@@ -2406,7 +2417,7 @@
           <a:p>
             <a:fld id="{FE9B511B-32AD-486D-B56B-8D8FDCF2D0BB}" type="slidenum">
               <a:rPr lang="de-CH" smtClean="0"/>
-              <a:t>‹Nr.›</a:t>
+              <a:t>‹#›</a:t>
             </a:fld>
             <a:endParaRPr lang="de-CH"/>
           </a:p>
@@ -2809,7 +2820,7 @@
           <a:p>
             <a:fld id="{5A790B8F-A88C-402D-A021-CB4D83DA52C8}" type="datetimeFigureOut">
               <a:rPr lang="de-CH" smtClean="0"/>
-              <a:t>17.01.2018</a:t>
+              <a:t>24.01.2018</a:t>
             </a:fld>
             <a:endParaRPr lang="de-CH"/>
           </a:p>
@@ -2856,7 +2867,7 @@
           <a:p>
             <a:fld id="{FE9B511B-32AD-486D-B56B-8D8FDCF2D0BB}" type="slidenum">
               <a:rPr lang="de-CH" smtClean="0"/>
-              <a:t>‹Nr.›</a:t>
+              <a:t>‹#›</a:t>
             </a:fld>
             <a:endParaRPr lang="de-CH"/>
           </a:p>
@@ -3135,7 +3146,7 @@
           <a:p>
             <a:fld id="{5A790B8F-A88C-402D-A021-CB4D83DA52C8}" type="datetimeFigureOut">
               <a:rPr lang="de-CH" smtClean="0"/>
-              <a:t>17.01.2018</a:t>
+              <a:t>24.01.2018</a:t>
             </a:fld>
             <a:endParaRPr lang="de-CH"/>
           </a:p>
@@ -3211,7 +3222,7 @@
           <a:p>
             <a:fld id="{FE9B511B-32AD-486D-B56B-8D8FDCF2D0BB}" type="slidenum">
               <a:rPr lang="de-CH" smtClean="0"/>
-              <a:t>‹Nr.›</a:t>
+              <a:t>‹#›</a:t>
             </a:fld>
             <a:endParaRPr lang="de-CH"/>
           </a:p>
@@ -3673,19 +3684,7 @@
           <a:p>
             <a:r>
               <a:rPr lang="de-CH" dirty="0"/>
-              <a:t>Die WG-</a:t>
-            </a:r>
-            <a:r>
-              <a:rPr lang="de-CH" dirty="0" err="1">
-                <a:solidFill>
-                  <a:srgbClr val="FF0000"/>
-                </a:solidFill>
-              </a:rPr>
-              <a:t>Planungs</a:t>
-            </a:r>
-            <a:r>
-              <a:rPr lang="de-CH" dirty="0"/>
-              <a:t> App</a:t>
+              <a:t>Die WG App</a:t>
             </a:r>
           </a:p>
         </p:txBody>
@@ -3844,6 +3843,463 @@
       </p:grpSpPr>
       <p:sp>
         <p:nvSpPr>
+          <p:cNvPr id="2" name="Title 1">
+            <a:extLst>
+              <a:ext uri="{FF2B5EF4-FFF2-40B4-BE49-F238E27FC236}">
+                <a16:creationId xmlns:a16="http://schemas.microsoft.com/office/drawing/2014/main" id="{AC075350-C611-46AB-B664-51C43129B44D}"/>
+              </a:ext>
+            </a:extLst>
+          </p:cNvPr>
+          <p:cNvSpPr>
+            <a:spLocks noGrp="1"/>
+          </p:cNvSpPr>
+          <p:nvPr>
+            <p:ph type="title"/>
+          </p:nvPr>
+        </p:nvSpPr>
+        <p:spPr/>
+        <p:txBody>
+          <a:bodyPr/>
+          <a:lstStyle/>
+          <a:p>
+            <a:r>
+              <a:rPr lang="en-US" dirty="0"/>
+              <a:t>Sprint </a:t>
+            </a:r>
+            <a:r>
+              <a:rPr lang="en-US" dirty="0" err="1"/>
+              <a:t>Ziele</a:t>
+            </a:r>
+            <a:endParaRPr lang="en-US" dirty="0"/>
+          </a:p>
+        </p:txBody>
+      </p:sp>
+      <p:sp>
+        <p:nvSpPr>
+          <p:cNvPr id="3" name="Content Placeholder 2">
+            <a:extLst>
+              <a:ext uri="{FF2B5EF4-FFF2-40B4-BE49-F238E27FC236}">
+                <a16:creationId xmlns:a16="http://schemas.microsoft.com/office/drawing/2014/main" id="{72D3A2A3-F5D5-45A6-87C4-6D0065BD49FB}"/>
+              </a:ext>
+            </a:extLst>
+          </p:cNvPr>
+          <p:cNvSpPr>
+            <a:spLocks noGrp="1"/>
+          </p:cNvSpPr>
+          <p:nvPr>
+            <p:ph idx="1"/>
+          </p:nvPr>
+        </p:nvSpPr>
+        <p:spPr/>
+        <p:txBody>
+          <a:bodyPr/>
+          <a:lstStyle/>
+          <a:p>
+            <a:r>
+              <a:rPr lang="en-US" dirty="0"/>
+              <a:t>Sprint 1: </a:t>
+            </a:r>
+            <a:r>
+              <a:rPr lang="en-US" dirty="0" err="1"/>
+              <a:t>Planung</a:t>
+            </a:r>
+            <a:r>
+              <a:rPr lang="en-US" dirty="0"/>
+              <a:t> und Environment Setup</a:t>
+            </a:r>
+          </a:p>
+          <a:p>
+            <a:r>
+              <a:rPr lang="en-US" dirty="0"/>
+              <a:t>Sprint 2: </a:t>
+            </a:r>
+            <a:r>
+              <a:rPr lang="en-US" dirty="0" err="1"/>
+              <a:t>Programmierbeginn</a:t>
+            </a:r>
+            <a:r>
+              <a:rPr lang="en-US" dirty="0"/>
+              <a:t>, </a:t>
+            </a:r>
+            <a:r>
+              <a:rPr lang="en-US" dirty="0" err="1"/>
+              <a:t>Datenbank</a:t>
+            </a:r>
+            <a:r>
+              <a:rPr lang="en-US" dirty="0"/>
+              <a:t> Setup, XML Structures</a:t>
+            </a:r>
+          </a:p>
+          <a:p>
+            <a:r>
+              <a:rPr lang="en-US" dirty="0"/>
+              <a:t>Sprint 3: </a:t>
+            </a:r>
+            <a:r>
+              <a:rPr lang="en-US" dirty="0" err="1"/>
+              <a:t>Erste</a:t>
+            </a:r>
+            <a:r>
+              <a:rPr lang="en-US" dirty="0"/>
+              <a:t> </a:t>
+            </a:r>
+            <a:r>
+              <a:rPr lang="en-US" dirty="0" err="1"/>
+              <a:t>Funktionalität</a:t>
+            </a:r>
+            <a:endParaRPr lang="en-US" dirty="0"/>
+          </a:p>
+        </p:txBody>
+      </p:sp>
+      <p:pic>
+        <p:nvPicPr>
+          <p:cNvPr id="5" name="Picture 4">
+            <a:extLst>
+              <a:ext uri="{FF2B5EF4-FFF2-40B4-BE49-F238E27FC236}">
+                <a16:creationId xmlns:a16="http://schemas.microsoft.com/office/drawing/2014/main" id="{874CF55E-B7C5-4336-8091-8E974E074173}"/>
+              </a:ext>
+            </a:extLst>
+          </p:cNvPr>
+          <p:cNvPicPr>
+            <a:picLocks noChangeAspect="1"/>
+          </p:cNvPicPr>
+          <p:nvPr/>
+        </p:nvPicPr>
+        <p:blipFill>
+          <a:blip r:embed="rId2">
+            <a:extLst>
+              <a:ext uri="{28A0092B-C50C-407E-A947-70E740481C1C}">
+                <a14:useLocalDpi xmlns:a14="http://schemas.microsoft.com/office/drawing/2010/main" val="0"/>
+              </a:ext>
+            </a:extLst>
+          </a:blip>
+          <a:stretch>
+            <a:fillRect/>
+          </a:stretch>
+        </p:blipFill>
+        <p:spPr>
+          <a:xfrm>
+            <a:off x="1762057" y="2406070"/>
+            <a:ext cx="1995348" cy="3647411"/>
+          </a:xfrm>
+          <a:prstGeom prst="rect">
+            <a:avLst/>
+          </a:prstGeom>
+        </p:spPr>
+      </p:pic>
+      <p:pic>
+        <p:nvPicPr>
+          <p:cNvPr id="7" name="Picture 6">
+            <a:extLst>
+              <a:ext uri="{FF2B5EF4-FFF2-40B4-BE49-F238E27FC236}">
+                <a16:creationId xmlns:a16="http://schemas.microsoft.com/office/drawing/2014/main" id="{C0D527AD-1839-4DE4-8C41-BACF7EE6E8AF}"/>
+              </a:ext>
+            </a:extLst>
+          </p:cNvPr>
+          <p:cNvPicPr>
+            <a:picLocks noChangeAspect="1"/>
+          </p:cNvPicPr>
+          <p:nvPr/>
+        </p:nvPicPr>
+        <p:blipFill>
+          <a:blip r:embed="rId3">
+            <a:extLst>
+              <a:ext uri="{28A0092B-C50C-407E-A947-70E740481C1C}">
+                <a14:useLocalDpi xmlns:a14="http://schemas.microsoft.com/office/drawing/2010/main" val="0"/>
+              </a:ext>
+            </a:extLst>
+          </a:blip>
+          <a:stretch>
+            <a:fillRect/>
+          </a:stretch>
+        </p:blipFill>
+        <p:spPr>
+          <a:xfrm>
+            <a:off x="6626440" y="2406070"/>
+            <a:ext cx="2000961" cy="3647411"/>
+          </a:xfrm>
+          <a:prstGeom prst="rect">
+            <a:avLst/>
+          </a:prstGeom>
+        </p:spPr>
+      </p:pic>
+      <p:pic>
+        <p:nvPicPr>
+          <p:cNvPr id="9" name="Picture 8">
+            <a:extLst>
+              <a:ext uri="{FF2B5EF4-FFF2-40B4-BE49-F238E27FC236}">
+                <a16:creationId xmlns:a16="http://schemas.microsoft.com/office/drawing/2014/main" id="{460AAE35-7442-48B7-A9AD-35EBA53A4C1F}"/>
+              </a:ext>
+            </a:extLst>
+          </p:cNvPr>
+          <p:cNvPicPr>
+            <a:picLocks noChangeAspect="1"/>
+          </p:cNvPicPr>
+          <p:nvPr/>
+        </p:nvPicPr>
+        <p:blipFill>
+          <a:blip r:embed="rId4">
+            <a:extLst>
+              <a:ext uri="{28A0092B-C50C-407E-A947-70E740481C1C}">
+                <a14:useLocalDpi xmlns:a14="http://schemas.microsoft.com/office/drawing/2010/main" val="0"/>
+              </a:ext>
+            </a:extLst>
+          </a:blip>
+          <a:stretch>
+            <a:fillRect/>
+          </a:stretch>
+        </p:blipFill>
+        <p:spPr>
+          <a:xfrm>
+            <a:off x="4174683" y="2406070"/>
+            <a:ext cx="2001424" cy="3647411"/>
+          </a:xfrm>
+          <a:prstGeom prst="rect">
+            <a:avLst/>
+          </a:prstGeom>
+        </p:spPr>
+      </p:pic>
+    </p:spTree>
+    <p:extLst>
+      <p:ext uri="{BB962C8B-B14F-4D97-AF65-F5344CB8AC3E}">
+        <p14:creationId xmlns:p14="http://schemas.microsoft.com/office/powerpoint/2010/main" val="35050768"/>
+      </p:ext>
+    </p:extLst>
+  </p:cSld>
+  <p:clrMapOvr>
+    <a:masterClrMapping/>
+  </p:clrMapOvr>
+  <p:timing>
+    <p:tnLst>
+      <p:par>
+        <p:cTn id="1" dur="indefinite" restart="never" nodeType="tmRoot">
+          <p:childTnLst>
+            <p:seq concurrent="1" nextAc="seek">
+              <p:cTn id="2" dur="indefinite" nodeType="mainSeq">
+                <p:childTnLst>
+                  <p:par>
+                    <p:cTn id="3" fill="hold">
+                      <p:stCondLst>
+                        <p:cond delay="indefinite"/>
+                      </p:stCondLst>
+                      <p:childTnLst>
+                        <p:par>
+                          <p:cTn id="4" fill="hold">
+                            <p:stCondLst>
+                              <p:cond delay="0"/>
+                            </p:stCondLst>
+                            <p:childTnLst>
+                              <p:par>
+                                <p:cTn id="5" presetID="1" presetClass="exit" presetSubtype="0" fill="hold" nodeType="clickEffect">
+                                  <p:stCondLst>
+                                    <p:cond delay="0"/>
+                                  </p:stCondLst>
+                                  <p:childTnLst>
+                                    <p:set>
+                                      <p:cBhvr>
+                                        <p:cTn id="6" dur="1" fill="hold">
+                                          <p:stCondLst>
+                                            <p:cond delay="0"/>
+                                          </p:stCondLst>
+                                        </p:cTn>
+                                        <p:tgtEl>
+                                          <p:spTgt spid="5"/>
+                                        </p:tgtEl>
+                                        <p:attrNameLst>
+                                          <p:attrName>style.visibility</p:attrName>
+                                        </p:attrNameLst>
+                                      </p:cBhvr>
+                                      <p:to>
+                                        <p:strVal val="hidden"/>
+                                      </p:to>
+                                    </p:set>
+                                  </p:childTnLst>
+                                </p:cTn>
+                              </p:par>
+                              <p:par>
+                                <p:cTn id="7" presetID="1" presetClass="exit" presetSubtype="0" fill="hold" nodeType="withEffect">
+                                  <p:stCondLst>
+                                    <p:cond delay="0"/>
+                                  </p:stCondLst>
+                                  <p:childTnLst>
+                                    <p:set>
+                                      <p:cBhvr>
+                                        <p:cTn id="8" dur="1" fill="hold">
+                                          <p:stCondLst>
+                                            <p:cond delay="0"/>
+                                          </p:stCondLst>
+                                        </p:cTn>
+                                        <p:tgtEl>
+                                          <p:spTgt spid="9"/>
+                                        </p:tgtEl>
+                                        <p:attrNameLst>
+                                          <p:attrName>style.visibility</p:attrName>
+                                        </p:attrNameLst>
+                                      </p:cBhvr>
+                                      <p:to>
+                                        <p:strVal val="hidden"/>
+                                      </p:to>
+                                    </p:set>
+                                  </p:childTnLst>
+                                </p:cTn>
+                              </p:par>
+                              <p:par>
+                                <p:cTn id="9" presetID="1" presetClass="exit" presetSubtype="0" fill="hold" nodeType="withEffect">
+                                  <p:stCondLst>
+                                    <p:cond delay="0"/>
+                                  </p:stCondLst>
+                                  <p:childTnLst>
+                                    <p:set>
+                                      <p:cBhvr>
+                                        <p:cTn id="10" dur="1" fill="hold">
+                                          <p:stCondLst>
+                                            <p:cond delay="0"/>
+                                          </p:stCondLst>
+                                        </p:cTn>
+                                        <p:tgtEl>
+                                          <p:spTgt spid="7"/>
+                                        </p:tgtEl>
+                                        <p:attrNameLst>
+                                          <p:attrName>style.visibility</p:attrName>
+                                        </p:attrNameLst>
+                                      </p:cBhvr>
+                                      <p:to>
+                                        <p:strVal val="hidden"/>
+                                      </p:to>
+                                    </p:set>
+                                  </p:childTnLst>
+                                </p:cTn>
+                              </p:par>
+                            </p:childTnLst>
+                          </p:cTn>
+                        </p:par>
+                        <p:par>
+                          <p:cTn id="11" fill="hold">
+                            <p:stCondLst>
+                              <p:cond delay="0"/>
+                            </p:stCondLst>
+                            <p:childTnLst>
+                              <p:par>
+                                <p:cTn id="12" presetID="1" presetClass="entr" presetSubtype="0" fill="hold" nodeType="afterEffect">
+                                  <p:stCondLst>
+                                    <p:cond delay="0"/>
+                                  </p:stCondLst>
+                                  <p:childTnLst>
+                                    <p:set>
+                                      <p:cBhvr>
+                                        <p:cTn id="13" dur="1" fill="hold">
+                                          <p:stCondLst>
+                                            <p:cond delay="0"/>
+                                          </p:stCondLst>
+                                        </p:cTn>
+                                        <p:tgtEl>
+                                          <p:spTgt spid="3">
+                                            <p:txEl>
+                                              <p:pRg st="1" end="1"/>
+                                            </p:txEl>
+                                          </p:spTgt>
+                                        </p:tgtEl>
+                                        <p:attrNameLst>
+                                          <p:attrName>style.visibility</p:attrName>
+                                        </p:attrNameLst>
+                                      </p:cBhvr>
+                                      <p:to>
+                                        <p:strVal val="visible"/>
+                                      </p:to>
+                                    </p:set>
+                                  </p:childTnLst>
+                                </p:cTn>
+                              </p:par>
+                            </p:childTnLst>
+                          </p:cTn>
+                        </p:par>
+                        <p:par>
+                          <p:cTn id="14" fill="hold">
+                            <p:stCondLst>
+                              <p:cond delay="0"/>
+                            </p:stCondLst>
+                            <p:childTnLst>
+                              <p:par>
+                                <p:cTn id="15" presetID="1" presetClass="entr" presetSubtype="0" fill="hold" nodeType="afterEffect">
+                                  <p:stCondLst>
+                                    <p:cond delay="0"/>
+                                  </p:stCondLst>
+                                  <p:childTnLst>
+                                    <p:set>
+                                      <p:cBhvr>
+                                        <p:cTn id="16" dur="1" fill="hold">
+                                          <p:stCondLst>
+                                            <p:cond delay="0"/>
+                                          </p:stCondLst>
+                                        </p:cTn>
+                                        <p:tgtEl>
+                                          <p:spTgt spid="3">
+                                            <p:txEl>
+                                              <p:pRg st="2" end="2"/>
+                                            </p:txEl>
+                                          </p:spTgt>
+                                        </p:tgtEl>
+                                        <p:attrNameLst>
+                                          <p:attrName>style.visibility</p:attrName>
+                                        </p:attrNameLst>
+                                      </p:cBhvr>
+                                      <p:to>
+                                        <p:strVal val="visible"/>
+                                      </p:to>
+                                    </p:set>
+                                  </p:childTnLst>
+                                </p:cTn>
+                              </p:par>
+                            </p:childTnLst>
+                          </p:cTn>
+                        </p:par>
+                      </p:childTnLst>
+                    </p:cTn>
+                  </p:par>
+                </p:childTnLst>
+              </p:cTn>
+              <p:prevCondLst>
+                <p:cond evt="onPrev" delay="0">
+                  <p:tgtEl>
+                    <p:sldTgt/>
+                  </p:tgtEl>
+                </p:cond>
+              </p:prevCondLst>
+              <p:nextCondLst>
+                <p:cond evt="onNext" delay="0">
+                  <p:tgtEl>
+                    <p:sldTgt/>
+                  </p:tgtEl>
+                </p:cond>
+              </p:nextCondLst>
+            </p:seq>
+          </p:childTnLst>
+        </p:cTn>
+      </p:par>
+    </p:tnLst>
+  </p:timing>
+</p:sld>
+</file>
+
+<file path=ppt/slides/slide4.xml><?xml version="1.0" encoding="utf-8"?>
+<p:sld xmlns:a="http://schemas.openxmlformats.org/drawingml/2006/main" xmlns:r="http://schemas.openxmlformats.org/officeDocument/2006/relationships" xmlns:p="http://schemas.openxmlformats.org/presentationml/2006/main">
+  <p:cSld>
+    <p:spTree>
+      <p:nvGrpSpPr>
+        <p:cNvPr id="1" name=""/>
+        <p:cNvGrpSpPr/>
+        <p:nvPr/>
+      </p:nvGrpSpPr>
+      <p:grpSpPr>
+        <a:xfrm>
+          <a:off x="0" y="0"/>
+          <a:ext cx="0" cy="0"/>
+          <a:chOff x="0" y="0"/>
+          <a:chExt cx="0" cy="0"/>
+        </a:xfrm>
+      </p:grpSpPr>
+      <p:sp>
+        <p:nvSpPr>
           <p:cNvPr id="2" name="Titel 1">
             <a:extLst>
               <a:ext uri="{FF2B5EF4-FFF2-40B4-BE49-F238E27FC236}">
@@ -3889,7 +4345,7 @@
         <p:spPr/>
         <p:txBody>
           <a:bodyPr>
-            <a:normAutofit fontScale="92500" lnSpcReduction="20000"/>
+            <a:normAutofit fontScale="92500" lnSpcReduction="10000"/>
           </a:bodyPr>
           <a:lstStyle/>
           <a:p>
@@ -3916,7 +4372,7 @@
             <a:pPr lvl="1"/>
             <a:r>
               <a:rPr lang="de-CH" dirty="0"/>
-              <a:t>Min APK Version 16</a:t>
+              <a:t>APK Target Version 26</a:t>
             </a:r>
           </a:p>
           <a:p>
@@ -3931,18 +4387,6 @@
               <a:rPr lang="de-CH" dirty="0"/>
               <a:t>GIT</a:t>
             </a:r>
-          </a:p>
-          <a:p>
-            <a:pPr lvl="1"/>
-            <a:r>
-              <a:rPr lang="de-CH" dirty="0"/>
-              <a:t>Unser </a:t>
-            </a:r>
-            <a:r>
-              <a:rPr lang="de-CH" dirty="0" err="1"/>
-              <a:t>Scrumtool</a:t>
-            </a:r>
-            <a:endParaRPr lang="de-CH" dirty="0"/>
           </a:p>
           <a:p>
             <a:r>
@@ -3963,6 +4407,104 @@
     <p:extLst>
       <p:ext uri="{BB962C8B-B14F-4D97-AF65-F5344CB8AC3E}">
         <p14:creationId xmlns:p14="http://schemas.microsoft.com/office/powerpoint/2010/main" val="2527832994"/>
+      </p:ext>
+    </p:extLst>
+  </p:cSld>
+  <p:clrMapOvr>
+    <a:masterClrMapping/>
+  </p:clrMapOvr>
+</p:sld>
+</file>
+
+<file path=ppt/slides/slide5.xml><?xml version="1.0" encoding="utf-8"?>
+<p:sld xmlns:a="http://schemas.openxmlformats.org/drawingml/2006/main" xmlns:r="http://schemas.openxmlformats.org/officeDocument/2006/relationships" xmlns:p="http://schemas.openxmlformats.org/presentationml/2006/main">
+  <p:cSld>
+    <p:spTree>
+      <p:nvGrpSpPr>
+        <p:cNvPr id="1" name=""/>
+        <p:cNvGrpSpPr/>
+        <p:nvPr/>
+      </p:nvGrpSpPr>
+      <p:grpSpPr>
+        <a:xfrm>
+          <a:off x="0" y="0"/>
+          <a:ext cx="0" cy="0"/>
+          <a:chOff x="0" y="0"/>
+          <a:chExt cx="0" cy="0"/>
+        </a:xfrm>
+      </p:grpSpPr>
+      <p:sp>
+        <p:nvSpPr>
+          <p:cNvPr id="2" name="Title 1">
+            <a:extLst>
+              <a:ext uri="{FF2B5EF4-FFF2-40B4-BE49-F238E27FC236}">
+                <a16:creationId xmlns:a16="http://schemas.microsoft.com/office/drawing/2014/main" id="{C5842773-CE2A-4C1C-ADEC-25F8BA0E52FD}"/>
+              </a:ext>
+            </a:extLst>
+          </p:cNvPr>
+          <p:cNvSpPr>
+            <a:spLocks noGrp="1"/>
+          </p:cNvSpPr>
+          <p:nvPr>
+            <p:ph type="title"/>
+          </p:nvPr>
+        </p:nvSpPr>
+        <p:spPr/>
+        <p:txBody>
+          <a:bodyPr/>
+          <a:lstStyle/>
+          <a:p>
+            <a:r>
+              <a:rPr lang="en-US" dirty="0"/>
+              <a:t>Kano Model</a:t>
+            </a:r>
+          </a:p>
+        </p:txBody>
+      </p:sp>
+      <p:pic>
+        <p:nvPicPr>
+          <p:cNvPr id="4" name="Picture 3">
+            <a:extLst>
+              <a:ext uri="{FF2B5EF4-FFF2-40B4-BE49-F238E27FC236}">
+                <a16:creationId xmlns:a16="http://schemas.microsoft.com/office/drawing/2014/main" id="{97F6B364-7EDC-4DE9-AA3B-675B8669FEB7}"/>
+              </a:ext>
+            </a:extLst>
+          </p:cNvPr>
+          <p:cNvPicPr>
+            <a:picLocks noChangeAspect="1"/>
+          </p:cNvPicPr>
+          <p:nvPr/>
+        </p:nvPicPr>
+        <p:blipFill rotWithShape="1">
+          <a:blip r:embed="rId2">
+            <a:clrChange>
+              <a:clrFrom>
+                <a:srgbClr val="FFFFFF"/>
+              </a:clrFrom>
+              <a:clrTo>
+                <a:srgbClr val="FFFFFF">
+                  <a:alpha val="0"/>
+                </a:srgbClr>
+              </a:clrTo>
+            </a:clrChange>
+          </a:blip>
+          <a:srcRect l="31582" t="19327" r="8624" b="11731"/>
+          <a:stretch/>
+        </p:blipFill>
+        <p:spPr>
+          <a:xfrm>
+            <a:off x="1451579" y="2004969"/>
+            <a:ext cx="6024073" cy="3906970"/>
+          </a:xfrm>
+          <a:prstGeom prst="rect">
+            <a:avLst/>
+          </a:prstGeom>
+        </p:spPr>
+      </p:pic>
+    </p:spTree>
+    <p:extLst>
+      <p:ext uri="{BB962C8B-B14F-4D97-AF65-F5344CB8AC3E}">
+        <p14:creationId xmlns:p14="http://schemas.microsoft.com/office/powerpoint/2010/main" val="3597603134"/>
       </p:ext>
     </p:extLst>
   </p:cSld>
